--- a/Zaawansowana_Obsluga_Wyjatkow_Java.pptx
+++ b/Zaawansowana_Obsluga_Wyjatkow_Java.pptx
@@ -218,7 +218,7 @@
           <a:p>
             <a:fld id="{AB56C3C7-F563-4B3E-A389-78620F0C1B6F}" type="datetimeFigureOut">
               <a:rPr lang="pl-PL" smtClean="0"/>
-              <a:t>20.05.2025</a:t>
+              <a:t>27.05.2025</a:t>
             </a:fld>
             <a:endParaRPr lang="pl-PL"/>
           </a:p>
@@ -749,7 +749,7 @@
           <a:p>
             <a:fld id="{5BCAD085-E8A6-8845-BD4E-CB4CCA059FC4}" type="datetimeFigureOut">
               <a:rPr lang="en-US" smtClean="0"/>
-              <a:t>5/20/2025</a:t>
+              <a:t>5/27/2025</a:t>
             </a:fld>
             <a:endParaRPr lang="en-US"/>
           </a:p>
@@ -917,7 +917,7 @@
           <a:p>
             <a:fld id="{5BCAD085-E8A6-8845-BD4E-CB4CCA059FC4}" type="datetimeFigureOut">
               <a:rPr lang="en-US" smtClean="0"/>
-              <a:t>5/20/2025</a:t>
+              <a:t>5/27/2025</a:t>
             </a:fld>
             <a:endParaRPr lang="en-US"/>
           </a:p>
@@ -1095,7 +1095,7 @@
           <a:p>
             <a:fld id="{5BCAD085-E8A6-8845-BD4E-CB4CCA059FC4}" type="datetimeFigureOut">
               <a:rPr lang="en-US" smtClean="0"/>
-              <a:t>5/20/2025</a:t>
+              <a:t>5/27/2025</a:t>
             </a:fld>
             <a:endParaRPr lang="en-US"/>
           </a:p>
@@ -1263,7 +1263,7 @@
           <a:p>
             <a:fld id="{5BCAD085-E8A6-8845-BD4E-CB4CCA059FC4}" type="datetimeFigureOut">
               <a:rPr lang="en-US" smtClean="0"/>
-              <a:t>5/20/2025</a:t>
+              <a:t>5/27/2025</a:t>
             </a:fld>
             <a:endParaRPr lang="en-US"/>
           </a:p>
@@ -1508,7 +1508,7 @@
           <a:p>
             <a:fld id="{5BCAD085-E8A6-8845-BD4E-CB4CCA059FC4}" type="datetimeFigureOut">
               <a:rPr lang="en-US" smtClean="0"/>
-              <a:t>5/20/2025</a:t>
+              <a:t>5/27/2025</a:t>
             </a:fld>
             <a:endParaRPr lang="en-US"/>
           </a:p>
@@ -1793,7 +1793,7 @@
           <a:p>
             <a:fld id="{5BCAD085-E8A6-8845-BD4E-CB4CCA059FC4}" type="datetimeFigureOut">
               <a:rPr lang="en-US" smtClean="0"/>
-              <a:t>5/20/2025</a:t>
+              <a:t>5/27/2025</a:t>
             </a:fld>
             <a:endParaRPr lang="en-US"/>
           </a:p>
@@ -2212,7 +2212,7 @@
           <a:p>
             <a:fld id="{5BCAD085-E8A6-8845-BD4E-CB4CCA059FC4}" type="datetimeFigureOut">
               <a:rPr lang="en-US" smtClean="0"/>
-              <a:t>5/20/2025</a:t>
+              <a:t>5/27/2025</a:t>
             </a:fld>
             <a:endParaRPr lang="en-US"/>
           </a:p>
@@ -2329,7 +2329,7 @@
           <a:p>
             <a:fld id="{5BCAD085-E8A6-8845-BD4E-CB4CCA059FC4}" type="datetimeFigureOut">
               <a:rPr lang="en-US" smtClean="0"/>
-              <a:t>5/20/2025</a:t>
+              <a:t>5/27/2025</a:t>
             </a:fld>
             <a:endParaRPr lang="en-US"/>
           </a:p>
@@ -2424,7 +2424,7 @@
           <a:p>
             <a:fld id="{5BCAD085-E8A6-8845-BD4E-CB4CCA059FC4}" type="datetimeFigureOut">
               <a:rPr lang="en-US" smtClean="0"/>
-              <a:t>5/20/2025</a:t>
+              <a:t>5/27/2025</a:t>
             </a:fld>
             <a:endParaRPr lang="en-US"/>
           </a:p>
@@ -2699,7 +2699,7 @@
           <a:p>
             <a:fld id="{5BCAD085-E8A6-8845-BD4E-CB4CCA059FC4}" type="datetimeFigureOut">
               <a:rPr lang="en-US" smtClean="0"/>
-              <a:t>5/20/2025</a:t>
+              <a:t>5/27/2025</a:t>
             </a:fld>
             <a:endParaRPr lang="en-US"/>
           </a:p>
@@ -2951,7 +2951,7 @@
           <a:p>
             <a:fld id="{5BCAD085-E8A6-8845-BD4E-CB4CCA059FC4}" type="datetimeFigureOut">
               <a:rPr lang="en-US" smtClean="0"/>
-              <a:t>5/20/2025</a:t>
+              <a:t>5/27/2025</a:t>
             </a:fld>
             <a:endParaRPr lang="en-US"/>
           </a:p>
@@ -3162,7 +3162,7 @@
           <a:p>
             <a:fld id="{5BCAD085-E8A6-8845-BD4E-CB4CCA059FC4}" type="datetimeFigureOut">
               <a:rPr lang="en-US" smtClean="0"/>
-              <a:t>5/20/2025</a:t>
+              <a:t>5/27/2025</a:t>
             </a:fld>
             <a:endParaRPr lang="en-US"/>
           </a:p>
@@ -5696,7 +5696,7 @@
           </a:bodyPr>
           <a:lstStyle/>
           <a:p>
-            <a:endParaRPr lang="en-US" sz="1700"/>
+            <a:endParaRPr lang="en-US" sz="1700" dirty="0"/>
           </a:p>
         </p:txBody>
       </p:sp>
@@ -5722,8 +5722,8 @@
         </p:blipFill>
         <p:spPr>
           <a:xfrm>
-            <a:off x="-1" y="2687722"/>
-            <a:ext cx="8537521" cy="3137536"/>
+            <a:off x="-2" y="2203078"/>
+            <a:ext cx="8548757" cy="3141665"/>
           </a:xfrm>
           <a:prstGeom prst="rect">
             <a:avLst/>
@@ -6107,8 +6107,8 @@
         </p:blipFill>
         <p:spPr>
           <a:xfrm>
-            <a:off x="0" y="2517349"/>
-            <a:ext cx="8414918" cy="3639450"/>
+            <a:off x="-1" y="2203078"/>
+            <a:ext cx="8535971" cy="3691805"/>
           </a:xfrm>
           <a:prstGeom prst="rect">
             <a:avLst/>
@@ -6958,7 +6958,7 @@
           <a:lstStyle/>
           <a:p>
             <a:r>
-              <a:rPr lang="pl-PL" sz="4200"/>
+              <a:rPr lang="pl-PL" sz="4200" dirty="0"/>
               <a:t>Dobre praktyki</a:t>
             </a:r>
           </a:p>
@@ -7121,43 +7121,19 @@
           <a:p>
             <a:r>
               <a:rPr lang="pl-PL" sz="1700" dirty="0"/>
-              <a:t>- Używaj wyjątków do błędów, nie do kontroli logiki</a:t>
+              <a:t>Używaj wyjątków do błędów, nie do kontroli logiki</a:t>
             </a:r>
           </a:p>
           <a:p>
             <a:r>
               <a:rPr lang="pl-PL" sz="1700" dirty="0"/>
-              <a:t>- Loguj wyjątki raz (nie powielaj logów)</a:t>
+              <a:t>Loguj wyjątki raz (nie powielaj logów)</a:t>
             </a:r>
           </a:p>
           <a:p>
             <a:r>
               <a:rPr lang="pl-PL" sz="1700" dirty="0"/>
-              <a:t>- Używaj </a:t>
-            </a:r>
-            <a:r>
-              <a:rPr lang="pl-PL" sz="1700" dirty="0" err="1"/>
-              <a:t>finally</a:t>
-            </a:r>
-            <a:r>
-              <a:rPr lang="pl-PL" sz="1700" dirty="0"/>
-              <a:t> / </a:t>
-            </a:r>
-            <a:r>
-              <a:rPr lang="pl-PL" sz="1700" dirty="0" err="1"/>
-              <a:t>try</a:t>
-            </a:r>
-            <a:r>
-              <a:rPr lang="pl-PL" sz="1700" dirty="0"/>
-              <a:t>-with-</a:t>
-            </a:r>
-            <a:r>
-              <a:rPr lang="pl-PL" sz="1700" dirty="0" err="1"/>
-              <a:t>resources</a:t>
-            </a:r>
-            <a:r>
-              <a:rPr lang="pl-PL" sz="1700" dirty="0"/>
-              <a:t>:</a:t>
+              <a:t>Używaj finally / try-with-resources:</a:t>
             </a:r>
           </a:p>
           <a:p>
@@ -7347,7 +7323,7 @@
           <a:lstStyle/>
           <a:p>
             <a:pPr algn="ctr"/>
-            <a:endParaRPr lang="en-US"/>
+            <a:endParaRPr lang="pl-PL" noProof="0" dirty="0"/>
           </a:p>
         </p:txBody>
       </p:sp>
@@ -7374,8 +7350,16 @@
           <a:lstStyle/>
           <a:p>
             <a:r>
-              <a:rPr lang="pl-PL" sz="4700"/>
-              <a:t>Przykład z życia</a:t>
+              <a:rPr lang="pl-PL" sz="4700" noProof="0" dirty="0"/>
+              <a:t>Przykład</a:t>
+            </a:r>
+            <a:r>
+              <a:rPr lang="en-GB" sz="4700" noProof="0" dirty="0"/>
+              <a:t>y</a:t>
+            </a:r>
+            <a:r>
+              <a:rPr lang="pl-PL" sz="4700" noProof="0" dirty="0"/>
+              <a:t> z życia</a:t>
             </a:r>
           </a:p>
         </p:txBody>
@@ -7468,7 +7452,7 @@
             <a:lstStyle/>
             <a:p>
               <a:pPr algn="ctr"/>
-              <a:endParaRPr lang="en-US"/>
+              <a:endParaRPr lang="pl-PL" noProof="0" dirty="0"/>
             </a:p>
           </p:txBody>
         </p:sp>
@@ -7529,7 +7513,7 @@
             <a:lstStyle/>
             <a:p>
               <a:pPr algn="ctr"/>
-              <a:endParaRPr lang="en-US"/>
+              <a:endParaRPr lang="pl-PL" noProof="0" dirty="0"/>
             </a:p>
           </p:txBody>
         </p:sp>
@@ -7600,7 +7584,7 @@
           <a:lstStyle/>
           <a:p>
             <a:pPr algn="ctr"/>
-            <a:endParaRPr lang="en-US"/>
+            <a:endParaRPr lang="pl-PL" noProof="0" dirty="0"/>
           </a:p>
         </p:txBody>
       </p:sp>
@@ -7616,17 +7600,289 @@
         </p:nvSpPr>
         <p:spPr>
           <a:xfrm>
-            <a:off x="595245" y="2599509"/>
-            <a:ext cx="7607751" cy="3435531"/>
+            <a:off x="498160" y="2389218"/>
+            <a:ext cx="2977123" cy="327841"/>
           </a:xfrm>
         </p:spPr>
         <p:txBody>
           <a:bodyPr anchor="ctr">
-            <a:normAutofit/>
+            <a:normAutofit fontScale="70000" lnSpcReduction="20000"/>
           </a:bodyPr>
           <a:lstStyle/>
           <a:p>
-            <a:endParaRPr lang="pl-PL" sz="2100"/>
+            <a:r>
+              <a:rPr lang="pl-PL" sz="2100" noProof="0" dirty="0"/>
+              <a:t>Hierarchia</a:t>
+            </a:r>
+            <a:r>
+              <a:rPr lang="en-GB" sz="2100" noProof="0" dirty="0"/>
+              <a:t> </a:t>
+            </a:r>
+            <a:r>
+              <a:rPr lang="en-GB" sz="2100" noProof="0" dirty="0" err="1"/>
+              <a:t>własnych</a:t>
+            </a:r>
+            <a:r>
+              <a:rPr lang="pl-PL" sz="2100" noProof="0" dirty="0"/>
+              <a:t> wyjątków </a:t>
+            </a:r>
+          </a:p>
+        </p:txBody>
+      </p:sp>
+      <p:pic>
+        <p:nvPicPr>
+          <p:cNvPr id="5" name="Picture 4">
+            <a:extLst>
+              <a:ext uri="{FF2B5EF4-FFF2-40B4-BE49-F238E27FC236}">
+                <a16:creationId xmlns:a16="http://schemas.microsoft.com/office/drawing/2014/main" id="{8CE06B88-B35F-1CBE-7065-F94089AB7515}"/>
+              </a:ext>
+            </a:extLst>
+          </p:cNvPr>
+          <p:cNvPicPr>
+            <a:picLocks noChangeAspect="1"/>
+          </p:cNvPicPr>
+          <p:nvPr/>
+        </p:nvPicPr>
+        <p:blipFill>
+          <a:blip r:embed="rId2"/>
+          <a:stretch>
+            <a:fillRect/>
+          </a:stretch>
+        </p:blipFill>
+        <p:spPr>
+          <a:xfrm>
+            <a:off x="498160" y="2663841"/>
+            <a:ext cx="2977123" cy="3873222"/>
+          </a:xfrm>
+          <a:prstGeom prst="rect">
+            <a:avLst/>
+          </a:prstGeom>
+        </p:spPr>
+      </p:pic>
+      <p:pic>
+        <p:nvPicPr>
+          <p:cNvPr id="7" name="Picture 6">
+            <a:extLst>
+              <a:ext uri="{FF2B5EF4-FFF2-40B4-BE49-F238E27FC236}">
+                <a16:creationId xmlns:a16="http://schemas.microsoft.com/office/drawing/2014/main" id="{752A0534-9A0F-7A6D-1B2F-E5FEC45F868B}"/>
+              </a:ext>
+            </a:extLst>
+          </p:cNvPr>
+          <p:cNvPicPr>
+            <a:picLocks noChangeAspect="1"/>
+          </p:cNvPicPr>
+          <p:nvPr/>
+        </p:nvPicPr>
+        <p:blipFill>
+          <a:blip r:embed="rId3"/>
+          <a:stretch>
+            <a:fillRect/>
+          </a:stretch>
+        </p:blipFill>
+        <p:spPr>
+          <a:xfrm>
+            <a:off x="3973443" y="2780068"/>
+            <a:ext cx="4512430" cy="2687703"/>
+          </a:xfrm>
+          <a:prstGeom prst="rect">
+            <a:avLst/>
+          </a:prstGeom>
+        </p:spPr>
+      </p:pic>
+      <p:sp>
+        <p:nvSpPr>
+          <p:cNvPr id="9" name="Content Placeholder 2">
+            <a:extLst>
+              <a:ext uri="{FF2B5EF4-FFF2-40B4-BE49-F238E27FC236}">
+                <a16:creationId xmlns:a16="http://schemas.microsoft.com/office/drawing/2014/main" id="{414DA7AE-1254-E137-9D10-FE9B62271600}"/>
+              </a:ext>
+            </a:extLst>
+          </p:cNvPr>
+          <p:cNvSpPr txBox="1">
+            <a:spLocks/>
+          </p:cNvSpPr>
+          <p:nvPr/>
+        </p:nvSpPr>
+        <p:spPr>
+          <a:xfrm>
+            <a:off x="4364457" y="2348105"/>
+            <a:ext cx="3443623" cy="496935"/>
+          </a:xfrm>
+          <a:prstGeom prst="rect">
+            <a:avLst/>
+          </a:prstGeom>
+        </p:spPr>
+        <p:txBody>
+          <a:bodyPr vert="horz" lIns="91440" tIns="45720" rIns="91440" bIns="45720" rtlCol="0" anchor="ctr">
+            <a:normAutofit fontScale="85000" lnSpcReduction="10000"/>
+          </a:bodyPr>
+          <a:lstStyle>
+            <a:lvl1pPr marL="342900" indent="-342900" algn="l" defTabSz="457200" rtl="0" eaLnBrk="1" latinLnBrk="0" hangingPunct="1">
+              <a:spcBef>
+                <a:spcPct val="20000"/>
+              </a:spcBef>
+              <a:buFont typeface="Arial"/>
+              <a:buChar char="•"/>
+              <a:defRPr sz="3200" kern="1200">
+                <a:solidFill>
+                  <a:schemeClr val="tx1"/>
+                </a:solidFill>
+                <a:latin typeface="+mn-lt"/>
+                <a:ea typeface="+mn-ea"/>
+                <a:cs typeface="+mn-cs"/>
+              </a:defRPr>
+            </a:lvl1pPr>
+            <a:lvl2pPr marL="742950" indent="-285750" algn="l" defTabSz="457200" rtl="0" eaLnBrk="1" latinLnBrk="0" hangingPunct="1">
+              <a:spcBef>
+                <a:spcPct val="20000"/>
+              </a:spcBef>
+              <a:buFont typeface="Arial"/>
+              <a:buChar char="–"/>
+              <a:defRPr sz="2800" kern="1200">
+                <a:solidFill>
+                  <a:schemeClr val="tx1"/>
+                </a:solidFill>
+                <a:latin typeface="+mn-lt"/>
+                <a:ea typeface="+mn-ea"/>
+                <a:cs typeface="+mn-cs"/>
+              </a:defRPr>
+            </a:lvl2pPr>
+            <a:lvl3pPr marL="1143000" indent="-228600" algn="l" defTabSz="457200" rtl="0" eaLnBrk="1" latinLnBrk="0" hangingPunct="1">
+              <a:spcBef>
+                <a:spcPct val="20000"/>
+              </a:spcBef>
+              <a:buFont typeface="Arial"/>
+              <a:buChar char="•"/>
+              <a:defRPr sz="2400" kern="1200">
+                <a:solidFill>
+                  <a:schemeClr val="tx1"/>
+                </a:solidFill>
+                <a:latin typeface="+mn-lt"/>
+                <a:ea typeface="+mn-ea"/>
+                <a:cs typeface="+mn-cs"/>
+              </a:defRPr>
+            </a:lvl3pPr>
+            <a:lvl4pPr marL="1600200" indent="-228600" algn="l" defTabSz="457200" rtl="0" eaLnBrk="1" latinLnBrk="0" hangingPunct="1">
+              <a:spcBef>
+                <a:spcPct val="20000"/>
+              </a:spcBef>
+              <a:buFont typeface="Arial"/>
+              <a:buChar char="–"/>
+              <a:defRPr sz="2000" kern="1200">
+                <a:solidFill>
+                  <a:schemeClr val="tx1"/>
+                </a:solidFill>
+                <a:latin typeface="+mn-lt"/>
+                <a:ea typeface="+mn-ea"/>
+                <a:cs typeface="+mn-cs"/>
+              </a:defRPr>
+            </a:lvl4pPr>
+            <a:lvl5pPr marL="2057400" indent="-228600" algn="l" defTabSz="457200" rtl="0" eaLnBrk="1" latinLnBrk="0" hangingPunct="1">
+              <a:spcBef>
+                <a:spcPct val="20000"/>
+              </a:spcBef>
+              <a:buFont typeface="Arial"/>
+              <a:buChar char="»"/>
+              <a:defRPr sz="2000" kern="1200">
+                <a:solidFill>
+                  <a:schemeClr val="tx1"/>
+                </a:solidFill>
+                <a:latin typeface="+mn-lt"/>
+                <a:ea typeface="+mn-ea"/>
+                <a:cs typeface="+mn-cs"/>
+              </a:defRPr>
+            </a:lvl5pPr>
+            <a:lvl6pPr marL="2514600" indent="-228600" algn="l" defTabSz="457200" rtl="0" eaLnBrk="1" latinLnBrk="0" hangingPunct="1">
+              <a:spcBef>
+                <a:spcPct val="20000"/>
+              </a:spcBef>
+              <a:buFont typeface="Arial"/>
+              <a:buChar char="•"/>
+              <a:defRPr sz="2000" kern="1200">
+                <a:solidFill>
+                  <a:schemeClr val="tx1"/>
+                </a:solidFill>
+                <a:latin typeface="+mn-lt"/>
+                <a:ea typeface="+mn-ea"/>
+                <a:cs typeface="+mn-cs"/>
+              </a:defRPr>
+            </a:lvl6pPr>
+            <a:lvl7pPr marL="2971800" indent="-228600" algn="l" defTabSz="457200" rtl="0" eaLnBrk="1" latinLnBrk="0" hangingPunct="1">
+              <a:spcBef>
+                <a:spcPct val="20000"/>
+              </a:spcBef>
+              <a:buFont typeface="Arial"/>
+              <a:buChar char="•"/>
+              <a:defRPr sz="2000" kern="1200">
+                <a:solidFill>
+                  <a:schemeClr val="tx1"/>
+                </a:solidFill>
+                <a:latin typeface="+mn-lt"/>
+                <a:ea typeface="+mn-ea"/>
+                <a:cs typeface="+mn-cs"/>
+              </a:defRPr>
+            </a:lvl7pPr>
+            <a:lvl8pPr marL="3429000" indent="-228600" algn="l" defTabSz="457200" rtl="0" eaLnBrk="1" latinLnBrk="0" hangingPunct="1">
+              <a:spcBef>
+                <a:spcPct val="20000"/>
+              </a:spcBef>
+              <a:buFont typeface="Arial"/>
+              <a:buChar char="•"/>
+              <a:defRPr sz="2000" kern="1200">
+                <a:solidFill>
+                  <a:schemeClr val="tx1"/>
+                </a:solidFill>
+                <a:latin typeface="+mn-lt"/>
+                <a:ea typeface="+mn-ea"/>
+                <a:cs typeface="+mn-cs"/>
+              </a:defRPr>
+            </a:lvl8pPr>
+            <a:lvl9pPr marL="3886200" indent="-228600" algn="l" defTabSz="457200" rtl="0" eaLnBrk="1" latinLnBrk="0" hangingPunct="1">
+              <a:spcBef>
+                <a:spcPct val="20000"/>
+              </a:spcBef>
+              <a:buFont typeface="Arial"/>
+              <a:buChar char="•"/>
+              <a:defRPr sz="2000" kern="1200">
+                <a:solidFill>
+                  <a:schemeClr val="tx1"/>
+                </a:solidFill>
+                <a:latin typeface="+mn-lt"/>
+                <a:ea typeface="+mn-ea"/>
+                <a:cs typeface="+mn-cs"/>
+              </a:defRPr>
+            </a:lvl9pPr>
+          </a:lstStyle>
+          <a:p>
+            <a:r>
+              <a:rPr lang="en-GB" sz="2100" dirty="0" err="1"/>
+              <a:t>Wyjątki</a:t>
+            </a:r>
+            <a:r>
+              <a:rPr lang="en-GB" sz="2100" dirty="0"/>
+              <a:t> </a:t>
+            </a:r>
+            <a:r>
+              <a:rPr lang="en-GB" sz="2100" dirty="0" err="1"/>
+              <a:t>służą</a:t>
+            </a:r>
+            <a:r>
+              <a:rPr lang="en-GB" sz="2100" dirty="0"/>
+              <a:t> </a:t>
+            </a:r>
+            <a:r>
+              <a:rPr lang="en-GB" sz="2100" dirty="0" err="1"/>
+              <a:t>obsłudze</a:t>
+            </a:r>
+            <a:r>
+              <a:rPr lang="en-GB" sz="2100" dirty="0"/>
+              <a:t> </a:t>
+            </a:r>
+            <a:r>
+              <a:rPr lang="en-GB" sz="2100" dirty="0" err="1"/>
+              <a:t>błędów</a:t>
+            </a:r>
+            <a:endParaRPr lang="pl-PL" sz="2100" dirty="0"/>
           </a:p>
         </p:txBody>
       </p:sp>
